--- a/기업업무 과제/기업업무 2강 과제 남정현.pptx
+++ b/기업업무 과제/기업업무 2강 과제 남정현.pptx
@@ -36,11 +36,6 @@
     <p:sldId id="284" r:id="rId30"/>
     <p:sldId id="285" r:id="rId31"/>
     <p:sldId id="286" r:id="rId32"/>
-    <p:sldId id="287" r:id="rId33"/>
-    <p:sldId id="288" r:id="rId34"/>
-    <p:sldId id="289" r:id="rId35"/>
-    <p:sldId id="290" r:id="rId36"/>
-    <p:sldId id="291" r:id="rId37"/>
   </p:sldIdLst>
   <p:sldSz cx="12192000" cy="6858000"/>
   <p:notesSz cx="6858000" cy="9144000"/>
@@ -139,7 +134,136 @@
       </a:defRPr>
     </a:lvl9pPr>
   </p:defaultTextStyle>
+  <p:extLst>
+    <p:ext uri="{EFAFB233-063F-42B5-8137-9DF3F51BA10A}">
+      <p15:sldGuideLst xmlns:p15="http://schemas.microsoft.com/office/powerpoint/2012/main"/>
+    </p:ext>
+  </p:extLst>
 </p:presentation>
+</file>
+
+<file path=ppt/changesInfos/changesInfo1.xml><?xml version="1.0" encoding="utf-8"?>
+<pc:chgInfo xmlns:a="http://schemas.openxmlformats.org/drawingml/2006/main" xmlns:r="http://schemas.openxmlformats.org/officeDocument/2006/relationships" xmlns:ac="http://schemas.microsoft.com/office/drawing/2013/main/command" xmlns:pc="http://schemas.microsoft.com/office/powerpoint/2013/main/command">
+  <pc:docChgLst>
+    <pc:chgData name="남 정현" userId="42c87c46deb7f138" providerId="LiveId" clId="{E69F8D5A-C77F-485A-BDA1-F32C0607CD9C}"/>
+    <pc:docChg chg="delSld modSld">
+      <pc:chgData name="남 정현" userId="42c87c46deb7f138" providerId="LiveId" clId="{E69F8D5A-C77F-485A-BDA1-F32C0607CD9C}" dt="2023-05-15T13:30:56.482" v="17"/>
+      <pc:docMkLst>
+        <pc:docMk/>
+      </pc:docMkLst>
+      <pc:sldChg chg="modSp mod">
+        <pc:chgData name="남 정현" userId="42c87c46deb7f138" providerId="LiveId" clId="{E69F8D5A-C77F-485A-BDA1-F32C0607CD9C}" dt="2023-05-15T13:30:47.328" v="13" actId="20577"/>
+        <pc:sldMkLst>
+          <pc:docMk/>
+          <pc:sldMk cId="1320823333" sldId="282"/>
+        </pc:sldMkLst>
+        <pc:spChg chg="mod">
+          <ac:chgData name="남 정현" userId="42c87c46deb7f138" providerId="LiveId" clId="{E69F8D5A-C77F-485A-BDA1-F32C0607CD9C}" dt="2023-05-15T13:30:47.328" v="13" actId="20577"/>
+          <ac:spMkLst>
+            <pc:docMk/>
+            <pc:sldMk cId="1320823333" sldId="282"/>
+            <ac:spMk id="2" creationId="{00000000-0000-0000-0000-000000000000}"/>
+          </ac:spMkLst>
+        </pc:spChg>
+      </pc:sldChg>
+      <pc:sldChg chg="modSp mod">
+        <pc:chgData name="남 정현" userId="42c87c46deb7f138" providerId="LiveId" clId="{E69F8D5A-C77F-485A-BDA1-F32C0607CD9C}" dt="2023-05-15T13:30:49.900" v="14"/>
+        <pc:sldMkLst>
+          <pc:docMk/>
+          <pc:sldMk cId="3857385819" sldId="283"/>
+        </pc:sldMkLst>
+        <pc:spChg chg="mod">
+          <ac:chgData name="남 정현" userId="42c87c46deb7f138" providerId="LiveId" clId="{E69F8D5A-C77F-485A-BDA1-F32C0607CD9C}" dt="2023-05-15T13:30:49.900" v="14"/>
+          <ac:spMkLst>
+            <pc:docMk/>
+            <pc:sldMk cId="3857385819" sldId="283"/>
+            <ac:spMk id="2" creationId="{00000000-0000-0000-0000-000000000000}"/>
+          </ac:spMkLst>
+        </pc:spChg>
+      </pc:sldChg>
+      <pc:sldChg chg="modSp mod">
+        <pc:chgData name="남 정현" userId="42c87c46deb7f138" providerId="LiveId" clId="{E69F8D5A-C77F-485A-BDA1-F32C0607CD9C}" dt="2023-05-15T13:30:52.323" v="15"/>
+        <pc:sldMkLst>
+          <pc:docMk/>
+          <pc:sldMk cId="4008658056" sldId="284"/>
+        </pc:sldMkLst>
+        <pc:spChg chg="mod">
+          <ac:chgData name="남 정현" userId="42c87c46deb7f138" providerId="LiveId" clId="{E69F8D5A-C77F-485A-BDA1-F32C0607CD9C}" dt="2023-05-15T13:30:52.323" v="15"/>
+          <ac:spMkLst>
+            <pc:docMk/>
+            <pc:sldMk cId="4008658056" sldId="284"/>
+            <ac:spMk id="2" creationId="{00000000-0000-0000-0000-000000000000}"/>
+          </ac:spMkLst>
+        </pc:spChg>
+      </pc:sldChg>
+      <pc:sldChg chg="modSp mod">
+        <pc:chgData name="남 정현" userId="42c87c46deb7f138" providerId="LiveId" clId="{E69F8D5A-C77F-485A-BDA1-F32C0607CD9C}" dt="2023-05-15T13:30:54.512" v="16"/>
+        <pc:sldMkLst>
+          <pc:docMk/>
+          <pc:sldMk cId="2850530723" sldId="285"/>
+        </pc:sldMkLst>
+        <pc:spChg chg="mod">
+          <ac:chgData name="남 정현" userId="42c87c46deb7f138" providerId="LiveId" clId="{E69F8D5A-C77F-485A-BDA1-F32C0607CD9C}" dt="2023-05-15T13:30:54.512" v="16"/>
+          <ac:spMkLst>
+            <pc:docMk/>
+            <pc:sldMk cId="2850530723" sldId="285"/>
+            <ac:spMk id="2" creationId="{00000000-0000-0000-0000-000000000000}"/>
+          </ac:spMkLst>
+        </pc:spChg>
+      </pc:sldChg>
+      <pc:sldChg chg="modSp mod">
+        <pc:chgData name="남 정현" userId="42c87c46deb7f138" providerId="LiveId" clId="{E69F8D5A-C77F-485A-BDA1-F32C0607CD9C}" dt="2023-05-15T13:30:56.482" v="17"/>
+        <pc:sldMkLst>
+          <pc:docMk/>
+          <pc:sldMk cId="2544485228" sldId="286"/>
+        </pc:sldMkLst>
+        <pc:spChg chg="mod">
+          <ac:chgData name="남 정현" userId="42c87c46deb7f138" providerId="LiveId" clId="{E69F8D5A-C77F-485A-BDA1-F32C0607CD9C}" dt="2023-05-15T13:30:56.482" v="17"/>
+          <ac:spMkLst>
+            <pc:docMk/>
+            <pc:sldMk cId="2544485228" sldId="286"/>
+            <ac:spMk id="2" creationId="{00000000-0000-0000-0000-000000000000}"/>
+          </ac:spMkLst>
+        </pc:spChg>
+      </pc:sldChg>
+      <pc:sldChg chg="del">
+        <pc:chgData name="남 정현" userId="42c87c46deb7f138" providerId="LiveId" clId="{E69F8D5A-C77F-485A-BDA1-F32C0607CD9C}" dt="2023-05-15T13:30:39.145" v="0" actId="2696"/>
+        <pc:sldMkLst>
+          <pc:docMk/>
+          <pc:sldMk cId="2262647957" sldId="287"/>
+        </pc:sldMkLst>
+      </pc:sldChg>
+      <pc:sldChg chg="del">
+        <pc:chgData name="남 정현" userId="42c87c46deb7f138" providerId="LiveId" clId="{E69F8D5A-C77F-485A-BDA1-F32C0607CD9C}" dt="2023-05-15T13:30:39.145" v="0" actId="2696"/>
+        <pc:sldMkLst>
+          <pc:docMk/>
+          <pc:sldMk cId="2720051815" sldId="288"/>
+        </pc:sldMkLst>
+      </pc:sldChg>
+      <pc:sldChg chg="del">
+        <pc:chgData name="남 정현" userId="42c87c46deb7f138" providerId="LiveId" clId="{E69F8D5A-C77F-485A-BDA1-F32C0607CD9C}" dt="2023-05-15T13:30:39.145" v="0" actId="2696"/>
+        <pc:sldMkLst>
+          <pc:docMk/>
+          <pc:sldMk cId="1381241898" sldId="289"/>
+        </pc:sldMkLst>
+      </pc:sldChg>
+      <pc:sldChg chg="del">
+        <pc:chgData name="남 정현" userId="42c87c46deb7f138" providerId="LiveId" clId="{E69F8D5A-C77F-485A-BDA1-F32C0607CD9C}" dt="2023-05-15T13:30:39.145" v="0" actId="2696"/>
+        <pc:sldMkLst>
+          <pc:docMk/>
+          <pc:sldMk cId="1487907668" sldId="290"/>
+        </pc:sldMkLst>
+      </pc:sldChg>
+      <pc:sldChg chg="del">
+        <pc:chgData name="남 정현" userId="42c87c46deb7f138" providerId="LiveId" clId="{E69F8D5A-C77F-485A-BDA1-F32C0607CD9C}" dt="2023-05-15T13:30:39.145" v="0" actId="2696"/>
+        <pc:sldMkLst>
+          <pc:docMk/>
+          <pc:sldMk cId="2035600083" sldId="291"/>
+        </pc:sldMkLst>
+      </pc:sldChg>
+    </pc:docChg>
+  </pc:docChgLst>
+</pc:chgInfo>
 </file>
 
 <file path=ppt/slideLayouts/slideLayout1.xml><?xml version="1.0" encoding="utf-8"?>
@@ -198,7 +322,7 @@
           </a:lstStyle>
           <a:p>
             <a:r>
-              <a:rPr lang="ko-KR" altLang="en-US" smtClean="0"/>
+              <a:rPr lang="ko-KR" altLang="en-US"/>
               <a:t>마스터 제목 스타일 편집</a:t>
             </a:r>
             <a:endParaRPr lang="en-US" dirty="0"/>
@@ -274,7 +398,7 @@
           </a:lstStyle>
           <a:p>
             <a:r>
-              <a:rPr lang="ko-KR" altLang="en-US" smtClean="0"/>
+              <a:rPr lang="ko-KR" altLang="en-US"/>
               <a:t>마스터 부제목 스타일 편집</a:t>
             </a:r>
             <a:endParaRPr lang="en-US" dirty="0"/>
@@ -557,7 +681,7 @@
           <a:lstStyle/>
           <a:p>
             <a:r>
-              <a:rPr lang="ko-KR" altLang="en-US" smtClean="0"/>
+              <a:rPr lang="ko-KR" altLang="en-US"/>
               <a:t>마스터 제목 스타일 편집</a:t>
             </a:r>
             <a:endParaRPr lang="en-US" dirty="0"/>
@@ -586,35 +710,35 @@
           <a:p>
             <a:pPr lvl="0"/>
             <a:r>
-              <a:rPr lang="ko-KR" altLang="en-US" smtClean="0"/>
+              <a:rPr lang="ko-KR" altLang="en-US"/>
               <a:t>마스터 텍스트 스타일을 편집합니다</a:t>
             </a:r>
           </a:p>
           <a:p>
             <a:pPr lvl="1"/>
             <a:r>
-              <a:rPr lang="ko-KR" altLang="en-US" smtClean="0"/>
+              <a:rPr lang="ko-KR" altLang="en-US"/>
               <a:t>둘째 수준</a:t>
             </a:r>
           </a:p>
           <a:p>
             <a:pPr lvl="2"/>
             <a:r>
-              <a:rPr lang="ko-KR" altLang="en-US" smtClean="0"/>
+              <a:rPr lang="ko-KR" altLang="en-US"/>
               <a:t>셋째 수준</a:t>
             </a:r>
           </a:p>
           <a:p>
             <a:pPr lvl="3"/>
             <a:r>
-              <a:rPr lang="ko-KR" altLang="en-US" smtClean="0"/>
+              <a:rPr lang="ko-KR" altLang="en-US"/>
               <a:t>넷째 수준</a:t>
             </a:r>
           </a:p>
           <a:p>
             <a:pPr lvl="4"/>
             <a:r>
-              <a:rPr lang="ko-KR" altLang="en-US" smtClean="0"/>
+              <a:rPr lang="ko-KR" altLang="en-US"/>
               <a:t>다섯째 수준</a:t>
             </a:r>
             <a:endParaRPr lang="en-US" dirty="0"/>
@@ -732,7 +856,7 @@
           <a:lstStyle/>
           <a:p>
             <a:r>
-              <a:rPr lang="ko-KR" altLang="en-US" smtClean="0"/>
+              <a:rPr lang="ko-KR" altLang="en-US"/>
               <a:t>마스터 제목 스타일 편집</a:t>
             </a:r>
             <a:endParaRPr lang="en-US" dirty="0"/>
@@ -761,35 +885,35 @@
           <a:p>
             <a:pPr lvl="0"/>
             <a:r>
-              <a:rPr lang="ko-KR" altLang="en-US" smtClean="0"/>
+              <a:rPr lang="ko-KR" altLang="en-US"/>
               <a:t>마스터 텍스트 스타일을 편집합니다</a:t>
             </a:r>
           </a:p>
           <a:p>
             <a:pPr lvl="1"/>
             <a:r>
-              <a:rPr lang="ko-KR" altLang="en-US" smtClean="0"/>
+              <a:rPr lang="ko-KR" altLang="en-US"/>
               <a:t>둘째 수준</a:t>
             </a:r>
           </a:p>
           <a:p>
             <a:pPr lvl="2"/>
             <a:r>
-              <a:rPr lang="ko-KR" altLang="en-US" smtClean="0"/>
+              <a:rPr lang="ko-KR" altLang="en-US"/>
               <a:t>셋째 수준</a:t>
             </a:r>
           </a:p>
           <a:p>
             <a:pPr lvl="3"/>
             <a:r>
-              <a:rPr lang="ko-KR" altLang="en-US" smtClean="0"/>
+              <a:rPr lang="ko-KR" altLang="en-US"/>
               <a:t>넷째 수준</a:t>
             </a:r>
           </a:p>
           <a:p>
             <a:pPr lvl="4"/>
             <a:r>
-              <a:rPr lang="ko-KR" altLang="en-US" smtClean="0"/>
+              <a:rPr lang="ko-KR" altLang="en-US"/>
               <a:t>다섯째 수준</a:t>
             </a:r>
             <a:endParaRPr lang="en-US" dirty="0"/>
@@ -902,7 +1026,7 @@
           <a:lstStyle/>
           <a:p>
             <a:r>
-              <a:rPr lang="ko-KR" altLang="en-US" smtClean="0"/>
+              <a:rPr lang="ko-KR" altLang="en-US"/>
               <a:t>마스터 제목 스타일 편집</a:t>
             </a:r>
             <a:endParaRPr lang="en-US" dirty="0"/>
@@ -926,35 +1050,35 @@
           <a:p>
             <a:pPr lvl="0"/>
             <a:r>
-              <a:rPr lang="ko-KR" altLang="en-US" smtClean="0"/>
+              <a:rPr lang="ko-KR" altLang="en-US"/>
               <a:t>마스터 텍스트 스타일을 편집합니다</a:t>
             </a:r>
           </a:p>
           <a:p>
             <a:pPr lvl="1"/>
             <a:r>
-              <a:rPr lang="ko-KR" altLang="en-US" smtClean="0"/>
+              <a:rPr lang="ko-KR" altLang="en-US"/>
               <a:t>둘째 수준</a:t>
             </a:r>
           </a:p>
           <a:p>
             <a:pPr lvl="2"/>
             <a:r>
-              <a:rPr lang="ko-KR" altLang="en-US" smtClean="0"/>
+              <a:rPr lang="ko-KR" altLang="en-US"/>
               <a:t>셋째 수준</a:t>
             </a:r>
           </a:p>
           <a:p>
             <a:pPr lvl="3"/>
             <a:r>
-              <a:rPr lang="ko-KR" altLang="en-US" smtClean="0"/>
+              <a:rPr lang="ko-KR" altLang="en-US"/>
               <a:t>넷째 수준</a:t>
             </a:r>
           </a:p>
           <a:p>
             <a:pPr lvl="4"/>
             <a:r>
-              <a:rPr lang="ko-KR" altLang="en-US" smtClean="0"/>
+              <a:rPr lang="ko-KR" altLang="en-US"/>
               <a:t>다섯째 수준</a:t>
             </a:r>
             <a:endParaRPr lang="en-US" dirty="0"/>
@@ -1087,7 +1211,7 @@
           </a:lstStyle>
           <a:p>
             <a:r>
-              <a:rPr lang="ko-KR" altLang="en-US" smtClean="0"/>
+              <a:rPr lang="ko-KR" altLang="en-US"/>
               <a:t>마스터 제목 스타일 편집</a:t>
             </a:r>
             <a:endParaRPr lang="en-US" dirty="0"/>
@@ -1214,7 +1338,7 @@
           <a:p>
             <a:pPr lvl="0"/>
             <a:r>
-              <a:rPr lang="ko-KR" altLang="en-US" smtClean="0"/>
+              <a:rPr lang="ko-KR" altLang="en-US"/>
               <a:t>마스터 텍스트 스타일을 편집합니다</a:t>
             </a:r>
           </a:p>
@@ -1431,7 +1555,7 @@
           </a:lstStyle>
           <a:p>
             <a:r>
-              <a:rPr lang="ko-KR" altLang="en-US" smtClean="0"/>
+              <a:rPr lang="ko-KR" altLang="en-US"/>
               <a:t>마스터 제목 스타일 편집</a:t>
             </a:r>
             <a:endParaRPr lang="en-US" dirty="0"/>
@@ -1496,35 +1620,35 @@
           <a:p>
             <a:pPr lvl="0"/>
             <a:r>
-              <a:rPr lang="ko-KR" altLang="en-US" smtClean="0"/>
+              <a:rPr lang="ko-KR" altLang="en-US"/>
               <a:t>마스터 텍스트 스타일을 편집합니다</a:t>
             </a:r>
           </a:p>
           <a:p>
             <a:pPr lvl="1"/>
             <a:r>
-              <a:rPr lang="ko-KR" altLang="en-US" smtClean="0"/>
+              <a:rPr lang="ko-KR" altLang="en-US"/>
               <a:t>둘째 수준</a:t>
             </a:r>
           </a:p>
           <a:p>
             <a:pPr lvl="2"/>
             <a:r>
-              <a:rPr lang="ko-KR" altLang="en-US" smtClean="0"/>
+              <a:rPr lang="ko-KR" altLang="en-US"/>
               <a:t>셋째 수준</a:t>
             </a:r>
           </a:p>
           <a:p>
             <a:pPr lvl="3"/>
             <a:r>
-              <a:rPr lang="ko-KR" altLang="en-US" smtClean="0"/>
+              <a:rPr lang="ko-KR" altLang="en-US"/>
               <a:t>넷째 수준</a:t>
             </a:r>
           </a:p>
           <a:p>
             <a:pPr lvl="4"/>
             <a:r>
-              <a:rPr lang="ko-KR" altLang="en-US" smtClean="0"/>
+              <a:rPr lang="ko-KR" altLang="en-US"/>
               <a:t>다섯째 수준</a:t>
             </a:r>
             <a:endParaRPr lang="en-US" dirty="0"/>
@@ -1589,35 +1713,35 @@
           <a:p>
             <a:pPr lvl="0"/>
             <a:r>
-              <a:rPr lang="ko-KR" altLang="en-US" smtClean="0"/>
+              <a:rPr lang="ko-KR" altLang="en-US"/>
               <a:t>마스터 텍스트 스타일을 편집합니다</a:t>
             </a:r>
           </a:p>
           <a:p>
             <a:pPr lvl="1"/>
             <a:r>
-              <a:rPr lang="ko-KR" altLang="en-US" smtClean="0"/>
+              <a:rPr lang="ko-KR" altLang="en-US"/>
               <a:t>둘째 수준</a:t>
             </a:r>
           </a:p>
           <a:p>
             <a:pPr lvl="2"/>
             <a:r>
-              <a:rPr lang="ko-KR" altLang="en-US" smtClean="0"/>
+              <a:rPr lang="ko-KR" altLang="en-US"/>
               <a:t>셋째 수준</a:t>
             </a:r>
           </a:p>
           <a:p>
             <a:pPr lvl="3"/>
             <a:r>
-              <a:rPr lang="ko-KR" altLang="en-US" smtClean="0"/>
+              <a:rPr lang="ko-KR" altLang="en-US"/>
               <a:t>넷째 수준</a:t>
             </a:r>
           </a:p>
           <a:p>
             <a:pPr lvl="4"/>
             <a:r>
-              <a:rPr lang="ko-KR" altLang="en-US" smtClean="0"/>
+              <a:rPr lang="ko-KR" altLang="en-US"/>
               <a:t>다섯째 수준</a:t>
             </a:r>
             <a:endParaRPr lang="en-US" dirty="0"/>
@@ -1743,7 +1867,7 @@
           </a:lstStyle>
           <a:p>
             <a:r>
-              <a:rPr lang="ko-KR" altLang="en-US" smtClean="0"/>
+              <a:rPr lang="ko-KR" altLang="en-US"/>
               <a:t>마스터 제목 스타일 편집</a:t>
             </a:r>
             <a:endParaRPr lang="en-US" dirty="0"/>
@@ -1824,7 +1948,7 @@
           <a:p>
             <a:pPr lvl="0"/>
             <a:r>
-              <a:rPr lang="ko-KR" altLang="en-US" smtClean="0"/>
+              <a:rPr lang="ko-KR" altLang="en-US"/>
               <a:t>마스터 텍스트 스타일을 편집합니다</a:t>
             </a:r>
           </a:p>
@@ -1888,35 +2012,35 @@
           <a:p>
             <a:pPr lvl="0"/>
             <a:r>
-              <a:rPr lang="ko-KR" altLang="en-US" smtClean="0"/>
+              <a:rPr lang="ko-KR" altLang="en-US"/>
               <a:t>마스터 텍스트 스타일을 편집합니다</a:t>
             </a:r>
           </a:p>
           <a:p>
             <a:pPr lvl="1"/>
             <a:r>
-              <a:rPr lang="ko-KR" altLang="en-US" smtClean="0"/>
+              <a:rPr lang="ko-KR" altLang="en-US"/>
               <a:t>둘째 수준</a:t>
             </a:r>
           </a:p>
           <a:p>
             <a:pPr lvl="2"/>
             <a:r>
-              <a:rPr lang="ko-KR" altLang="en-US" smtClean="0"/>
+              <a:rPr lang="ko-KR" altLang="en-US"/>
               <a:t>셋째 수준</a:t>
             </a:r>
           </a:p>
           <a:p>
             <a:pPr lvl="3"/>
             <a:r>
-              <a:rPr lang="ko-KR" altLang="en-US" smtClean="0"/>
+              <a:rPr lang="ko-KR" altLang="en-US"/>
               <a:t>넷째 수준</a:t>
             </a:r>
           </a:p>
           <a:p>
             <a:pPr lvl="4"/>
             <a:r>
-              <a:rPr lang="ko-KR" altLang="en-US" smtClean="0"/>
+              <a:rPr lang="ko-KR" altLang="en-US"/>
               <a:t>다섯째 수준</a:t>
             </a:r>
             <a:endParaRPr lang="en-US" dirty="0"/>
@@ -1997,7 +2121,7 @@
           <a:p>
             <a:pPr lvl="0"/>
             <a:r>
-              <a:rPr lang="ko-KR" altLang="en-US" smtClean="0"/>
+              <a:rPr lang="ko-KR" altLang="en-US"/>
               <a:t>마스터 텍스트 스타일을 편집합니다</a:t>
             </a:r>
           </a:p>
@@ -2061,35 +2185,35 @@
           <a:p>
             <a:pPr lvl="0"/>
             <a:r>
-              <a:rPr lang="ko-KR" altLang="en-US" smtClean="0"/>
+              <a:rPr lang="ko-KR" altLang="en-US"/>
               <a:t>마스터 텍스트 스타일을 편집합니다</a:t>
             </a:r>
           </a:p>
           <a:p>
             <a:pPr lvl="1"/>
             <a:r>
-              <a:rPr lang="ko-KR" altLang="en-US" smtClean="0"/>
+              <a:rPr lang="ko-KR" altLang="en-US"/>
               <a:t>둘째 수준</a:t>
             </a:r>
           </a:p>
           <a:p>
             <a:pPr lvl="2"/>
             <a:r>
-              <a:rPr lang="ko-KR" altLang="en-US" smtClean="0"/>
+              <a:rPr lang="ko-KR" altLang="en-US"/>
               <a:t>셋째 수준</a:t>
             </a:r>
           </a:p>
           <a:p>
             <a:pPr lvl="3"/>
             <a:r>
-              <a:rPr lang="ko-KR" altLang="en-US" smtClean="0"/>
+              <a:rPr lang="ko-KR" altLang="en-US"/>
               <a:t>넷째 수준</a:t>
             </a:r>
           </a:p>
           <a:p>
             <a:pPr lvl="4"/>
             <a:r>
-              <a:rPr lang="ko-KR" altLang="en-US" smtClean="0"/>
+              <a:rPr lang="ko-KR" altLang="en-US"/>
               <a:t>다섯째 수준</a:t>
             </a:r>
             <a:endParaRPr lang="en-US" dirty="0"/>
@@ -2202,7 +2326,7 @@
           <a:lstStyle/>
           <a:p>
             <a:r>
-              <a:rPr lang="ko-KR" altLang="en-US" smtClean="0"/>
+              <a:rPr lang="ko-KR" altLang="en-US"/>
               <a:t>마스터 제목 스타일 편집</a:t>
             </a:r>
             <a:endParaRPr lang="en-US" dirty="0"/>
@@ -2461,7 +2585,7 @@
           </a:lstStyle>
           <a:p>
             <a:r>
-              <a:rPr lang="ko-KR" altLang="en-US" smtClean="0"/>
+              <a:rPr lang="ko-KR" altLang="en-US"/>
               <a:t>마스터 제목 스타일 편집</a:t>
             </a:r>
             <a:endParaRPr lang="en-US" dirty="0"/>
@@ -2518,35 +2642,35 @@
           <a:p>
             <a:pPr lvl="0"/>
             <a:r>
-              <a:rPr lang="ko-KR" altLang="en-US" smtClean="0"/>
+              <a:rPr lang="ko-KR" altLang="en-US"/>
               <a:t>마스터 텍스트 스타일을 편집합니다</a:t>
             </a:r>
           </a:p>
           <a:p>
             <a:pPr lvl="1"/>
             <a:r>
-              <a:rPr lang="ko-KR" altLang="en-US" smtClean="0"/>
+              <a:rPr lang="ko-KR" altLang="en-US"/>
               <a:t>둘째 수준</a:t>
             </a:r>
           </a:p>
           <a:p>
             <a:pPr lvl="2"/>
             <a:r>
-              <a:rPr lang="ko-KR" altLang="en-US" smtClean="0"/>
+              <a:rPr lang="ko-KR" altLang="en-US"/>
               <a:t>셋째 수준</a:t>
             </a:r>
           </a:p>
           <a:p>
             <a:pPr lvl="3"/>
             <a:r>
-              <a:rPr lang="ko-KR" altLang="en-US" smtClean="0"/>
+              <a:rPr lang="ko-KR" altLang="en-US"/>
               <a:t>넷째 수준</a:t>
             </a:r>
           </a:p>
           <a:p>
             <a:pPr lvl="4"/>
             <a:r>
-              <a:rPr lang="ko-KR" altLang="en-US" smtClean="0"/>
+              <a:rPr lang="ko-KR" altLang="en-US"/>
               <a:t>다섯째 수준</a:t>
             </a:r>
             <a:endParaRPr lang="en-US" dirty="0"/>
@@ -2621,7 +2745,7 @@
           <a:p>
             <a:pPr lvl="0"/>
             <a:r>
-              <a:rPr lang="ko-KR" altLang="en-US" smtClean="0"/>
+              <a:rPr lang="ko-KR" altLang="en-US"/>
               <a:t>마스터 텍스트 스타일을 편집합니다</a:t>
             </a:r>
           </a:p>
@@ -2864,7 +2988,7 @@
           </a:lstStyle>
           <a:p>
             <a:r>
-              <a:rPr lang="ko-KR" altLang="en-US" smtClean="0"/>
+              <a:rPr lang="ko-KR" altLang="en-US"/>
               <a:t>마스터 제목 스타일 편집</a:t>
             </a:r>
             <a:endParaRPr lang="en-US" dirty="0"/>
@@ -2931,7 +3055,7 @@
           </a:lstStyle>
           <a:p>
             <a:r>
-              <a:rPr lang="ko-KR" altLang="en-US" smtClean="0"/>
+              <a:rPr lang="ko-KR" altLang="en-US"/>
               <a:t>그림을 추가하려면 아이콘을 클릭하십시오</a:t>
             </a:r>
             <a:endParaRPr lang="en-US" dirty="0"/>
@@ -3006,7 +3130,7 @@
           <a:p>
             <a:pPr lvl="0"/>
             <a:r>
-              <a:rPr lang="ko-KR" altLang="en-US" smtClean="0"/>
+              <a:rPr lang="ko-KR" altLang="en-US"/>
               <a:t>마스터 텍스트 스타일을 편집합니다</a:t>
             </a:r>
           </a:p>
@@ -3215,7 +3339,7 @@
           <a:lstStyle/>
           <a:p>
             <a:r>
-              <a:rPr lang="ko-KR" altLang="en-US" smtClean="0"/>
+              <a:rPr lang="ko-KR" altLang="en-US"/>
               <a:t>마스터 제목 스타일 편집</a:t>
             </a:r>
             <a:endParaRPr lang="en-US" dirty="0"/>
@@ -3249,35 +3373,35 @@
           <a:p>
             <a:pPr lvl="0"/>
             <a:r>
-              <a:rPr lang="ko-KR" altLang="en-US" smtClean="0"/>
+              <a:rPr lang="ko-KR" altLang="en-US"/>
               <a:t>마스터 텍스트 스타일을 편집합니다</a:t>
             </a:r>
           </a:p>
           <a:p>
             <a:pPr lvl="1"/>
             <a:r>
-              <a:rPr lang="ko-KR" altLang="en-US" smtClean="0"/>
+              <a:rPr lang="ko-KR" altLang="en-US"/>
               <a:t>둘째 수준</a:t>
             </a:r>
           </a:p>
           <a:p>
             <a:pPr lvl="2"/>
             <a:r>
-              <a:rPr lang="ko-KR" altLang="en-US" smtClean="0"/>
+              <a:rPr lang="ko-KR" altLang="en-US"/>
               <a:t>셋째 수준</a:t>
             </a:r>
           </a:p>
           <a:p>
             <a:pPr lvl="3"/>
             <a:r>
-              <a:rPr lang="ko-KR" altLang="en-US" smtClean="0"/>
+              <a:rPr lang="ko-KR" altLang="en-US"/>
               <a:t>넷째 수준</a:t>
             </a:r>
           </a:p>
           <a:p>
             <a:pPr lvl="4"/>
             <a:r>
-              <a:rPr lang="ko-KR" altLang="en-US" smtClean="0"/>
+              <a:rPr lang="ko-KR" altLang="en-US"/>
               <a:t>다섯째 수준</a:t>
             </a:r>
             <a:endParaRPr lang="en-US" dirty="0"/>
@@ -3760,7 +3884,7 @@
       </a:lvl9pPr>
     </p:otherStyle>
   </p:txStyles>
-  <p:extLst mod="1">
+  <p:extLst>
     <p:ext uri="{27BBF7A9-308A-43DC-89C8-2F10F3537804}">
       <p15:sldGuideLst xmlns:p15="http://schemas.microsoft.com/office/powerpoint/2012/main">
         <p15:guide id="3" orient="horz" pos="1368">
@@ -3851,16 +3975,12 @@
               <a:t>기업업무 </a:t>
             </a:r>
             <a:r>
-              <a:rPr lang="en-US" altLang="ko-KR" dirty="0" smtClean="0"/>
+              <a:rPr lang="en-US" altLang="ko-KR" dirty="0"/>
               <a:t>2</a:t>
             </a:r>
             <a:r>
-              <a:rPr lang="ko-KR" altLang="en-US" dirty="0" smtClean="0"/>
-              <a:t>강 </a:t>
-            </a:r>
-            <a:r>
               <a:rPr lang="ko-KR" altLang="en-US" dirty="0"/>
-              <a:t>과제</a:t>
+              <a:t>강 과제</a:t>
             </a:r>
           </a:p>
         </p:txBody>
@@ -3918,18 +4038,17 @@
           <a:lstStyle/>
           <a:p>
             <a:r>
-              <a:rPr lang="ko-KR" altLang="en-US" sz="1600" dirty="0" smtClean="0"/>
+              <a:rPr lang="ko-KR" altLang="en-US" sz="1600" dirty="0"/>
               <a:t>슬라이드 </a:t>
             </a:r>
             <a:r>
-              <a:rPr lang="en-US" altLang="ko-KR" sz="1600" dirty="0" smtClean="0"/>
+              <a:rPr lang="en-US" altLang="ko-KR" sz="1600" dirty="0"/>
               <a:t>33 </a:t>
             </a:r>
             <a:r>
-              <a:rPr lang="ko-KR" altLang="en-US" sz="1600" dirty="0" smtClean="0"/>
+              <a:rPr lang="ko-KR" altLang="en-US" sz="1600" dirty="0"/>
               <a:t>실습</a:t>
             </a:r>
-            <a:endParaRPr lang="ko-KR" altLang="en-US" sz="1600" dirty="0"/>
           </a:p>
         </p:txBody>
       </p:sp>
@@ -3991,13 +4110,6 @@
   <p:clrMapOvr>
     <a:masterClrMapping/>
   </p:clrMapOvr>
-  <p:timing>
-    <p:tnLst>
-      <p:par>
-        <p:cTn id="1" dur="indefinite" restart="never" nodeType="tmRoot"/>
-      </p:par>
-    </p:tnLst>
-  </p:timing>
 </p:sld>
 </file>
 
@@ -4041,18 +4153,17 @@
           <a:lstStyle/>
           <a:p>
             <a:r>
-              <a:rPr lang="ko-KR" altLang="en-US" sz="1600" dirty="0" smtClean="0"/>
+              <a:rPr lang="ko-KR" altLang="en-US" sz="1600" dirty="0"/>
               <a:t>슬라이드 </a:t>
             </a:r>
             <a:r>
-              <a:rPr lang="en-US" altLang="ko-KR" sz="1600" dirty="0" smtClean="0"/>
+              <a:rPr lang="en-US" altLang="ko-KR" sz="1600" dirty="0"/>
               <a:t>35 </a:t>
             </a:r>
             <a:r>
-              <a:rPr lang="ko-KR" altLang="en-US" sz="1600" dirty="0" smtClean="0"/>
+              <a:rPr lang="ko-KR" altLang="en-US" sz="1600" dirty="0"/>
               <a:t>실습</a:t>
             </a:r>
-            <a:endParaRPr lang="ko-KR" altLang="en-US" sz="1600" dirty="0"/>
           </a:p>
         </p:txBody>
       </p:sp>
@@ -4114,13 +4225,6 @@
   <p:clrMapOvr>
     <a:masterClrMapping/>
   </p:clrMapOvr>
-  <p:timing>
-    <p:tnLst>
-      <p:par>
-        <p:cTn id="1" dur="indefinite" restart="never" nodeType="tmRoot"/>
-      </p:par>
-    </p:tnLst>
-  </p:timing>
 </p:sld>
 </file>
 
@@ -4164,18 +4268,17 @@
           <a:lstStyle/>
           <a:p>
             <a:r>
-              <a:rPr lang="ko-KR" altLang="en-US" sz="1600" dirty="0" smtClean="0"/>
+              <a:rPr lang="ko-KR" altLang="en-US" sz="1600" dirty="0"/>
               <a:t>슬라이드 </a:t>
             </a:r>
             <a:r>
-              <a:rPr lang="en-US" altLang="ko-KR" sz="1600" dirty="0" smtClean="0"/>
+              <a:rPr lang="en-US" altLang="ko-KR" sz="1600" dirty="0"/>
               <a:t>40 </a:t>
             </a:r>
             <a:r>
-              <a:rPr lang="ko-KR" altLang="en-US" sz="1600" dirty="0" smtClean="0"/>
+              <a:rPr lang="ko-KR" altLang="en-US" sz="1600" dirty="0"/>
               <a:t>실습</a:t>
             </a:r>
-            <a:endParaRPr lang="ko-KR" altLang="en-US" sz="1600" dirty="0"/>
           </a:p>
         </p:txBody>
       </p:sp>
@@ -4237,13 +4340,6 @@
   <p:clrMapOvr>
     <a:masterClrMapping/>
   </p:clrMapOvr>
-  <p:timing>
-    <p:tnLst>
-      <p:par>
-        <p:cTn id="1" dur="indefinite" restart="never" nodeType="tmRoot"/>
-      </p:par>
-    </p:tnLst>
-  </p:timing>
 </p:sld>
 </file>
 
@@ -4287,22 +4383,17 @@
           <a:lstStyle/>
           <a:p>
             <a:r>
-              <a:rPr lang="ko-KR" altLang="en-US" sz="1600" dirty="0" smtClean="0"/>
+              <a:rPr lang="ko-KR" altLang="en-US" sz="1600" dirty="0"/>
               <a:t>슬라이드 </a:t>
             </a:r>
             <a:r>
-              <a:rPr lang="en-US" altLang="ko-KR" sz="1600" dirty="0" smtClean="0"/>
-              <a:t>45</a:t>
-            </a:r>
-            <a:r>
-              <a:rPr lang="en-US" altLang="ko-KR" sz="1600" dirty="0" smtClean="0"/>
-              <a:t> </a:t>
-            </a:r>
-            <a:r>
-              <a:rPr lang="ko-KR" altLang="en-US" sz="1600" dirty="0" smtClean="0"/>
+              <a:rPr lang="en-US" altLang="ko-KR" sz="1600" dirty="0"/>
+              <a:t>45 </a:t>
+            </a:r>
+            <a:r>
+              <a:rPr lang="ko-KR" altLang="en-US" sz="1600" dirty="0"/>
               <a:t>실습</a:t>
             </a:r>
-            <a:endParaRPr lang="ko-KR" altLang="en-US" sz="1600" dirty="0"/>
           </a:p>
         </p:txBody>
       </p:sp>
@@ -4364,13 +4455,6 @@
   <p:clrMapOvr>
     <a:masterClrMapping/>
   </p:clrMapOvr>
-  <p:timing>
-    <p:tnLst>
-      <p:par>
-        <p:cTn id="1" dur="indefinite" restart="never" nodeType="tmRoot"/>
-      </p:par>
-    </p:tnLst>
-  </p:timing>
 </p:sld>
 </file>
 
@@ -4414,18 +4498,17 @@
           <a:lstStyle/>
           <a:p>
             <a:r>
-              <a:rPr lang="ko-KR" altLang="en-US" sz="1600" dirty="0" smtClean="0"/>
+              <a:rPr lang="ko-KR" altLang="en-US" sz="1600" dirty="0"/>
               <a:t>슬라이드 </a:t>
             </a:r>
             <a:r>
-              <a:rPr lang="en-US" altLang="ko-KR" sz="1600" dirty="0" smtClean="0"/>
+              <a:rPr lang="en-US" altLang="ko-KR" sz="1600" dirty="0"/>
               <a:t>48 </a:t>
             </a:r>
             <a:r>
-              <a:rPr lang="ko-KR" altLang="en-US" sz="1600" dirty="0" smtClean="0"/>
+              <a:rPr lang="ko-KR" altLang="en-US" sz="1600" dirty="0"/>
               <a:t>실습</a:t>
             </a:r>
-            <a:endParaRPr lang="ko-KR" altLang="en-US" sz="1600" dirty="0"/>
           </a:p>
         </p:txBody>
       </p:sp>
@@ -4511,13 +4594,6 @@
   <p:clrMapOvr>
     <a:masterClrMapping/>
   </p:clrMapOvr>
-  <p:timing>
-    <p:tnLst>
-      <p:par>
-        <p:cTn id="1" dur="indefinite" restart="never" nodeType="tmRoot"/>
-      </p:par>
-    </p:tnLst>
-  </p:timing>
 </p:sld>
 </file>
 
@@ -4561,18 +4637,17 @@
           <a:lstStyle/>
           <a:p>
             <a:r>
-              <a:rPr lang="ko-KR" altLang="en-US" sz="1600" dirty="0" smtClean="0"/>
+              <a:rPr lang="ko-KR" altLang="en-US" sz="1600" dirty="0"/>
               <a:t>슬라이드 </a:t>
             </a:r>
             <a:r>
-              <a:rPr lang="en-US" altLang="ko-KR" sz="1600" dirty="0" smtClean="0"/>
+              <a:rPr lang="en-US" altLang="ko-KR" sz="1600" dirty="0"/>
               <a:t>50 </a:t>
             </a:r>
             <a:r>
-              <a:rPr lang="ko-KR" altLang="en-US" sz="1600" dirty="0" smtClean="0"/>
+              <a:rPr lang="ko-KR" altLang="en-US" sz="1600" dirty="0"/>
               <a:t>실습</a:t>
             </a:r>
-            <a:endParaRPr lang="ko-KR" altLang="en-US" sz="1600" dirty="0"/>
           </a:p>
         </p:txBody>
       </p:sp>
@@ -4634,13 +4709,6 @@
   <p:clrMapOvr>
     <a:masterClrMapping/>
   </p:clrMapOvr>
-  <p:timing>
-    <p:tnLst>
-      <p:par>
-        <p:cTn id="1" dur="indefinite" restart="never" nodeType="tmRoot"/>
-      </p:par>
-    </p:tnLst>
-  </p:timing>
 </p:sld>
 </file>
 
@@ -4684,18 +4752,17 @@
           <a:lstStyle/>
           <a:p>
             <a:r>
-              <a:rPr lang="ko-KR" altLang="en-US" sz="1600" dirty="0" smtClean="0"/>
+              <a:rPr lang="ko-KR" altLang="en-US" sz="1600" dirty="0"/>
               <a:t>슬라이드 </a:t>
             </a:r>
             <a:r>
-              <a:rPr lang="en-US" altLang="ko-KR" sz="1600" dirty="0" smtClean="0"/>
+              <a:rPr lang="en-US" altLang="ko-KR" sz="1600" dirty="0"/>
               <a:t>57 </a:t>
             </a:r>
             <a:r>
-              <a:rPr lang="ko-KR" altLang="en-US" sz="1600" dirty="0" smtClean="0"/>
+              <a:rPr lang="ko-KR" altLang="en-US" sz="1600" dirty="0"/>
               <a:t>실습</a:t>
             </a:r>
-            <a:endParaRPr lang="ko-KR" altLang="en-US" sz="1600" dirty="0"/>
           </a:p>
         </p:txBody>
       </p:sp>
@@ -4800,18 +4867,17 @@
           <a:lstStyle/>
           <a:p>
             <a:r>
-              <a:rPr lang="ko-KR" altLang="en-US" sz="1600" dirty="0" smtClean="0"/>
+              <a:rPr lang="ko-KR" altLang="en-US" sz="1600" dirty="0"/>
               <a:t>슬라이드 </a:t>
             </a:r>
             <a:r>
-              <a:rPr lang="en-US" altLang="ko-KR" sz="1600" dirty="0" smtClean="0"/>
+              <a:rPr lang="en-US" altLang="ko-KR" sz="1600" dirty="0"/>
               <a:t>60 </a:t>
             </a:r>
             <a:r>
-              <a:rPr lang="ko-KR" altLang="en-US" sz="1600" dirty="0" smtClean="0"/>
+              <a:rPr lang="ko-KR" altLang="en-US" sz="1600" dirty="0"/>
               <a:t>실습</a:t>
             </a:r>
-            <a:endParaRPr lang="ko-KR" altLang="en-US" sz="1600" dirty="0"/>
           </a:p>
         </p:txBody>
       </p:sp>
@@ -4916,22 +4982,17 @@
           <a:lstStyle/>
           <a:p>
             <a:r>
-              <a:rPr lang="ko-KR" altLang="en-US" sz="1600" dirty="0" smtClean="0"/>
+              <a:rPr lang="ko-KR" altLang="en-US" sz="1600" dirty="0"/>
               <a:t>슬라이드 </a:t>
             </a:r>
             <a:r>
-              <a:rPr lang="en-US" altLang="ko-KR" sz="1600" dirty="0" smtClean="0"/>
-              <a:t>61</a:t>
-            </a:r>
-            <a:r>
-              <a:rPr lang="en-US" altLang="ko-KR" sz="1600" dirty="0" smtClean="0"/>
-              <a:t> </a:t>
-            </a:r>
-            <a:r>
-              <a:rPr lang="ko-KR" altLang="en-US" sz="1600" dirty="0" smtClean="0"/>
+              <a:rPr lang="en-US" altLang="ko-KR" sz="1600" dirty="0"/>
+              <a:t>61 </a:t>
+            </a:r>
+            <a:r>
+              <a:rPr lang="ko-KR" altLang="en-US" sz="1600" dirty="0"/>
               <a:t>실습</a:t>
             </a:r>
-            <a:endParaRPr lang="ko-KR" altLang="en-US" sz="1600" dirty="0"/>
           </a:p>
         </p:txBody>
       </p:sp>
@@ -5036,18 +5097,17 @@
           <a:lstStyle/>
           <a:p>
             <a:r>
-              <a:rPr lang="ko-KR" altLang="en-US" sz="1600" dirty="0" smtClean="0"/>
+              <a:rPr lang="ko-KR" altLang="en-US" sz="1600" dirty="0"/>
               <a:t>슬라이드 </a:t>
             </a:r>
             <a:r>
-              <a:rPr lang="en-US" altLang="ko-KR" sz="1600" dirty="0" smtClean="0"/>
+              <a:rPr lang="en-US" altLang="ko-KR" sz="1600" dirty="0"/>
               <a:t>62 </a:t>
             </a:r>
             <a:r>
-              <a:rPr lang="ko-KR" altLang="en-US" sz="1600" dirty="0" smtClean="0"/>
+              <a:rPr lang="ko-KR" altLang="en-US" sz="1600" dirty="0"/>
               <a:t>실습</a:t>
             </a:r>
-            <a:endParaRPr lang="ko-KR" altLang="en-US" sz="1600" dirty="0"/>
           </a:p>
         </p:txBody>
       </p:sp>
@@ -5176,18 +5236,17 @@
           <a:lstStyle/>
           <a:p>
             <a:r>
-              <a:rPr lang="ko-KR" altLang="en-US" sz="1600" dirty="0" smtClean="0"/>
+              <a:rPr lang="ko-KR" altLang="en-US" sz="1600" dirty="0"/>
               <a:t>슬라이드 </a:t>
             </a:r>
             <a:r>
-              <a:rPr lang="en-US" altLang="ko-KR" sz="1600" dirty="0" smtClean="0"/>
+              <a:rPr lang="en-US" altLang="ko-KR" sz="1600" dirty="0"/>
               <a:t>5 </a:t>
             </a:r>
             <a:r>
-              <a:rPr lang="ko-KR" altLang="en-US" sz="1600" dirty="0" smtClean="0"/>
+              <a:rPr lang="ko-KR" altLang="en-US" sz="1600" dirty="0"/>
               <a:t>실습</a:t>
             </a:r>
-            <a:endParaRPr lang="ko-KR" altLang="en-US" sz="1600" dirty="0"/>
           </a:p>
         </p:txBody>
       </p:sp>
@@ -5292,18 +5351,17 @@
           <a:lstStyle/>
           <a:p>
             <a:r>
-              <a:rPr lang="ko-KR" altLang="en-US" sz="1600" dirty="0" smtClean="0"/>
+              <a:rPr lang="ko-KR" altLang="en-US" sz="1600" dirty="0"/>
               <a:t>슬라이드 </a:t>
             </a:r>
             <a:r>
-              <a:rPr lang="en-US" altLang="ko-KR" sz="1600" dirty="0" smtClean="0"/>
+              <a:rPr lang="en-US" altLang="ko-KR" sz="1600" dirty="0"/>
               <a:t>63 </a:t>
             </a:r>
             <a:r>
-              <a:rPr lang="ko-KR" altLang="en-US" sz="1600" dirty="0" smtClean="0"/>
+              <a:rPr lang="ko-KR" altLang="en-US" sz="1600" dirty="0"/>
               <a:t>실습</a:t>
             </a:r>
-            <a:endParaRPr lang="ko-KR" altLang="en-US" sz="1600" dirty="0"/>
           </a:p>
         </p:txBody>
       </p:sp>
@@ -5408,18 +5466,17 @@
           <a:lstStyle/>
           <a:p>
             <a:r>
-              <a:rPr lang="ko-KR" altLang="en-US" sz="1600" dirty="0" smtClean="0"/>
+              <a:rPr lang="ko-KR" altLang="en-US" sz="1600" dirty="0"/>
               <a:t>슬라이드 </a:t>
             </a:r>
             <a:r>
-              <a:rPr lang="en-US" altLang="ko-KR" sz="1600" dirty="0" smtClean="0"/>
+              <a:rPr lang="en-US" altLang="ko-KR" sz="1600" dirty="0"/>
               <a:t>64 </a:t>
             </a:r>
             <a:r>
-              <a:rPr lang="ko-KR" altLang="en-US" sz="1600" dirty="0" smtClean="0"/>
+              <a:rPr lang="ko-KR" altLang="en-US" sz="1600" dirty="0"/>
               <a:t>실습</a:t>
             </a:r>
-            <a:endParaRPr lang="ko-KR" altLang="en-US" sz="1600" dirty="0"/>
           </a:p>
         </p:txBody>
       </p:sp>
@@ -5524,18 +5581,17 @@
           <a:lstStyle/>
           <a:p>
             <a:r>
-              <a:rPr lang="ko-KR" altLang="en-US" sz="1600" dirty="0" smtClean="0"/>
+              <a:rPr lang="ko-KR" altLang="en-US" sz="1600" dirty="0"/>
               <a:t>슬라이드 </a:t>
             </a:r>
             <a:r>
-              <a:rPr lang="en-US" altLang="ko-KR" sz="1600" dirty="0" smtClean="0"/>
+              <a:rPr lang="en-US" altLang="ko-KR" sz="1600" dirty="0"/>
               <a:t>65 </a:t>
             </a:r>
             <a:r>
-              <a:rPr lang="ko-KR" altLang="en-US" sz="1600" dirty="0" smtClean="0"/>
+              <a:rPr lang="ko-KR" altLang="en-US" sz="1600" dirty="0"/>
               <a:t>실습</a:t>
             </a:r>
-            <a:endParaRPr lang="ko-KR" altLang="en-US" sz="1600" dirty="0"/>
           </a:p>
         </p:txBody>
       </p:sp>
@@ -5640,18 +5696,17 @@
           <a:lstStyle/>
           <a:p>
             <a:r>
-              <a:rPr lang="ko-KR" altLang="en-US" sz="1600" dirty="0" smtClean="0"/>
+              <a:rPr lang="ko-KR" altLang="en-US" sz="1600" dirty="0"/>
               <a:t>슬라이드 </a:t>
             </a:r>
             <a:r>
-              <a:rPr lang="en-US" altLang="ko-KR" sz="1600" dirty="0" smtClean="0"/>
+              <a:rPr lang="en-US" altLang="ko-KR" sz="1600" dirty="0"/>
               <a:t>66 </a:t>
             </a:r>
             <a:r>
-              <a:rPr lang="ko-KR" altLang="en-US" sz="1600" dirty="0" smtClean="0"/>
+              <a:rPr lang="ko-KR" altLang="en-US" sz="1600" dirty="0"/>
               <a:t>실습</a:t>
             </a:r>
-            <a:endParaRPr lang="ko-KR" altLang="en-US" sz="1600" dirty="0"/>
           </a:p>
         </p:txBody>
       </p:sp>
@@ -5756,18 +5811,17 @@
           <a:lstStyle/>
           <a:p>
             <a:r>
-              <a:rPr lang="ko-KR" altLang="en-US" sz="1600" dirty="0" smtClean="0"/>
+              <a:rPr lang="ko-KR" altLang="en-US" sz="1600" dirty="0"/>
               <a:t>슬라이드 </a:t>
             </a:r>
             <a:r>
-              <a:rPr lang="en-US" altLang="ko-KR" sz="1600" dirty="0" smtClean="0"/>
+              <a:rPr lang="en-US" altLang="ko-KR" sz="1600" dirty="0"/>
               <a:t>73 </a:t>
             </a:r>
             <a:r>
-              <a:rPr lang="ko-KR" altLang="en-US" sz="1600" dirty="0" smtClean="0"/>
+              <a:rPr lang="ko-KR" altLang="en-US" sz="1600" dirty="0"/>
               <a:t>실습</a:t>
             </a:r>
-            <a:endParaRPr lang="ko-KR" altLang="en-US" sz="1600" dirty="0"/>
           </a:p>
         </p:txBody>
       </p:sp>
@@ -5829,13 +5883,6 @@
   <p:clrMapOvr>
     <a:masterClrMapping/>
   </p:clrMapOvr>
-  <p:timing>
-    <p:tnLst>
-      <p:par>
-        <p:cTn id="1" dur="indefinite" restart="never" nodeType="tmRoot"/>
-      </p:par>
-    </p:tnLst>
-  </p:timing>
 </p:sld>
 </file>
 
@@ -5879,18 +5926,17 @@
           <a:lstStyle/>
           <a:p>
             <a:r>
-              <a:rPr lang="ko-KR" altLang="en-US" sz="1600" dirty="0" smtClean="0"/>
+              <a:rPr lang="ko-KR" altLang="en-US" sz="1600" dirty="0"/>
               <a:t>슬라이드 </a:t>
             </a:r>
             <a:r>
-              <a:rPr lang="en-US" altLang="ko-KR" sz="1600" dirty="0" smtClean="0"/>
+              <a:rPr lang="en-US" altLang="ko-KR" sz="1600" dirty="0"/>
               <a:t>79 </a:t>
             </a:r>
             <a:r>
-              <a:rPr lang="ko-KR" altLang="en-US" sz="1600" dirty="0" smtClean="0"/>
+              <a:rPr lang="ko-KR" altLang="en-US" sz="1600" dirty="0"/>
               <a:t>실습</a:t>
             </a:r>
-            <a:endParaRPr lang="ko-KR" altLang="en-US" sz="1600" dirty="0"/>
           </a:p>
         </p:txBody>
       </p:sp>
@@ -5976,13 +6022,6 @@
   <p:clrMapOvr>
     <a:masterClrMapping/>
   </p:clrMapOvr>
-  <p:timing>
-    <p:tnLst>
-      <p:par>
-        <p:cTn id="1" dur="indefinite" restart="never" nodeType="tmRoot"/>
-      </p:par>
-    </p:tnLst>
-  </p:timing>
 </p:sld>
 </file>
 
@@ -6026,18 +6065,17 @@
           <a:lstStyle/>
           <a:p>
             <a:r>
-              <a:rPr lang="ko-KR" altLang="en-US" sz="1600" dirty="0" smtClean="0"/>
+              <a:rPr lang="ko-KR" altLang="en-US" sz="1600" dirty="0"/>
               <a:t>슬라이드 </a:t>
             </a:r>
             <a:r>
-              <a:rPr lang="en-US" altLang="ko-KR" sz="1600" dirty="0" smtClean="0"/>
+              <a:rPr lang="en-US" altLang="ko-KR" sz="1600" dirty="0"/>
               <a:t>80 </a:t>
             </a:r>
             <a:r>
-              <a:rPr lang="ko-KR" altLang="en-US" sz="1600" dirty="0" smtClean="0"/>
+              <a:rPr lang="ko-KR" altLang="en-US" sz="1600" dirty="0"/>
               <a:t>실습</a:t>
             </a:r>
-            <a:endParaRPr lang="ko-KR" altLang="en-US" sz="1600" dirty="0"/>
           </a:p>
         </p:txBody>
       </p:sp>
@@ -6099,13 +6137,6 @@
   <p:clrMapOvr>
     <a:masterClrMapping/>
   </p:clrMapOvr>
-  <p:timing>
-    <p:tnLst>
-      <p:par>
-        <p:cTn id="1" dur="indefinite" restart="never" nodeType="tmRoot"/>
-      </p:par>
-    </p:tnLst>
-  </p:timing>
 </p:sld>
 </file>
 
@@ -6149,18 +6180,9 @@
           <a:lstStyle/>
           <a:p>
             <a:r>
-              <a:rPr lang="ko-KR" altLang="en-US" sz="1600" dirty="0" smtClean="0"/>
-              <a:t>슬라이드 </a:t>
-            </a:r>
-            <a:r>
-              <a:rPr lang="en-US" altLang="ko-KR" sz="1600" dirty="0" smtClean="0"/>
-              <a:t> </a:t>
-            </a:r>
-            <a:r>
-              <a:rPr lang="ko-KR" altLang="en-US" sz="1600" dirty="0" smtClean="0"/>
-              <a:t>실습</a:t>
-            </a:r>
-            <a:endParaRPr lang="ko-KR" altLang="en-US" sz="1600" dirty="0"/>
+              <a:rPr lang="ko-KR" altLang="en-US" sz="1600" dirty="0"/>
+              <a:t>정리하기</a:t>
+            </a:r>
           </a:p>
         </p:txBody>
       </p:sp>
@@ -6217,18 +6239,9 @@
           <a:lstStyle/>
           <a:p>
             <a:r>
-              <a:rPr lang="ko-KR" altLang="en-US" sz="1600" dirty="0" smtClean="0"/>
-              <a:t>슬라이드 </a:t>
-            </a:r>
-            <a:r>
-              <a:rPr lang="en-US" altLang="ko-KR" sz="1600" dirty="0" smtClean="0"/>
-              <a:t> </a:t>
-            </a:r>
-            <a:r>
-              <a:rPr lang="ko-KR" altLang="en-US" sz="1600" dirty="0" smtClean="0"/>
-              <a:t>실습</a:t>
-            </a:r>
-            <a:endParaRPr lang="ko-KR" altLang="en-US" sz="1600" dirty="0"/>
+              <a:rPr lang="ko-KR" altLang="en-US" sz="1600" dirty="0"/>
+              <a:t>정리하기</a:t>
+            </a:r>
           </a:p>
         </p:txBody>
       </p:sp>
@@ -6285,16 +6298,8 @@
           <a:lstStyle/>
           <a:p>
             <a:r>
-              <a:rPr lang="ko-KR" altLang="en-US" sz="1600" dirty="0" smtClean="0"/>
-              <a:t>슬라이드 </a:t>
-            </a:r>
-            <a:r>
-              <a:rPr lang="en-US" altLang="ko-KR" sz="1600" dirty="0" smtClean="0"/>
-              <a:t> </a:t>
-            </a:r>
-            <a:r>
-              <a:rPr lang="ko-KR" altLang="en-US" sz="1600" dirty="0" smtClean="0"/>
-              <a:t>실습</a:t>
+              <a:rPr lang="ko-KR" altLang="en-US" sz="1600"/>
+              <a:t>정리하기</a:t>
             </a:r>
             <a:endParaRPr lang="ko-KR" altLang="en-US" sz="1600" dirty="0"/>
           </a:p>
@@ -6353,18 +6358,17 @@
           <a:lstStyle/>
           <a:p>
             <a:r>
-              <a:rPr lang="ko-KR" altLang="en-US" sz="1600" dirty="0" smtClean="0"/>
+              <a:rPr lang="ko-KR" altLang="en-US" sz="1600" dirty="0"/>
               <a:t>슬라이드 </a:t>
             </a:r>
             <a:r>
-              <a:rPr lang="en-US" altLang="ko-KR" sz="1600" dirty="0" smtClean="0"/>
+              <a:rPr lang="en-US" altLang="ko-KR" sz="1600" dirty="0"/>
               <a:t>11 </a:t>
             </a:r>
             <a:r>
-              <a:rPr lang="ko-KR" altLang="en-US" sz="1600" dirty="0" smtClean="0"/>
+              <a:rPr lang="ko-KR" altLang="en-US" sz="1600" dirty="0"/>
               <a:t>실습</a:t>
             </a:r>
-            <a:endParaRPr lang="ko-KR" altLang="en-US" sz="1600" dirty="0"/>
           </a:p>
         </p:txBody>
       </p:sp>
@@ -6469,16 +6473,8 @@
           <a:lstStyle/>
           <a:p>
             <a:r>
-              <a:rPr lang="ko-KR" altLang="en-US" sz="1600" dirty="0" smtClean="0"/>
-              <a:t>슬라이드 </a:t>
-            </a:r>
-            <a:r>
-              <a:rPr lang="en-US" altLang="ko-KR" sz="1600" dirty="0" smtClean="0"/>
-              <a:t> </a:t>
-            </a:r>
-            <a:r>
-              <a:rPr lang="ko-KR" altLang="en-US" sz="1600" dirty="0" smtClean="0"/>
-              <a:t>실습</a:t>
+              <a:rPr lang="ko-KR" altLang="en-US" sz="1600"/>
+              <a:t>정리하기</a:t>
             </a:r>
             <a:endParaRPr lang="ko-KR" altLang="en-US" sz="1600" dirty="0"/>
           </a:p>
@@ -6537,16 +6533,8 @@
           <a:lstStyle/>
           <a:p>
             <a:r>
-              <a:rPr lang="ko-KR" altLang="en-US" sz="1600" dirty="0" smtClean="0"/>
-              <a:t>슬라이드 </a:t>
-            </a:r>
-            <a:r>
-              <a:rPr lang="en-US" altLang="ko-KR" sz="1600" dirty="0" smtClean="0"/>
-              <a:t> </a:t>
-            </a:r>
-            <a:r>
-              <a:rPr lang="ko-KR" altLang="en-US" sz="1600" dirty="0" smtClean="0"/>
-              <a:t>실습</a:t>
+              <a:rPr lang="ko-KR" altLang="en-US" sz="1600"/>
+              <a:t>정리하기</a:t>
             </a:r>
             <a:endParaRPr lang="ko-KR" altLang="en-US" sz="1600" dirty="0"/>
           </a:p>
@@ -6556,346 +6544,6 @@
     <p:extLst>
       <p:ext uri="{BB962C8B-B14F-4D97-AF65-F5344CB8AC3E}">
         <p14:creationId xmlns:p14="http://schemas.microsoft.com/office/powerpoint/2010/main" val="2544485228"/>
-      </p:ext>
-    </p:extLst>
-  </p:cSld>
-  <p:clrMapOvr>
-    <a:masterClrMapping/>
-  </p:clrMapOvr>
-</p:sld>
-</file>
-
-<file path=ppt/slides/slide32.xml><?xml version="1.0" encoding="utf-8"?>
-<p:sld xmlns:a="http://schemas.openxmlformats.org/drawingml/2006/main" xmlns:r="http://schemas.openxmlformats.org/officeDocument/2006/relationships" xmlns:p="http://schemas.openxmlformats.org/presentationml/2006/main">
-  <p:cSld>
-    <p:spTree>
-      <p:nvGrpSpPr>
-        <p:cNvPr id="1" name=""/>
-        <p:cNvGrpSpPr/>
-        <p:nvPr/>
-      </p:nvGrpSpPr>
-      <p:grpSpPr>
-        <a:xfrm>
-          <a:off x="0" y="0"/>
-          <a:ext cx="0" cy="0"/>
-          <a:chOff x="0" y="0"/>
-          <a:chExt cx="0" cy="0"/>
-        </a:xfrm>
-      </p:grpSpPr>
-      <p:sp>
-        <p:nvSpPr>
-          <p:cNvPr id="2" name="제목 1"/>
-          <p:cNvSpPr>
-            <a:spLocks noGrp="1"/>
-          </p:cNvSpPr>
-          <p:nvPr>
-            <p:ph type="title"/>
-          </p:nvPr>
-        </p:nvSpPr>
-        <p:spPr>
-          <a:xfrm>
-            <a:off x="721895" y="0"/>
-            <a:ext cx="9601200" cy="453189"/>
-          </a:xfrm>
-        </p:spPr>
-        <p:txBody>
-          <a:bodyPr>
-            <a:normAutofit/>
-          </a:bodyPr>
-          <a:lstStyle/>
-          <a:p>
-            <a:r>
-              <a:rPr lang="ko-KR" altLang="en-US" sz="1600" dirty="0" smtClean="0"/>
-              <a:t>슬라이드 </a:t>
-            </a:r>
-            <a:r>
-              <a:rPr lang="en-US" altLang="ko-KR" sz="1600" dirty="0" smtClean="0"/>
-              <a:t> </a:t>
-            </a:r>
-            <a:r>
-              <a:rPr lang="ko-KR" altLang="en-US" sz="1600" dirty="0" smtClean="0"/>
-              <a:t>실습</a:t>
-            </a:r>
-            <a:endParaRPr lang="ko-KR" altLang="en-US" sz="1600" dirty="0"/>
-          </a:p>
-        </p:txBody>
-      </p:sp>
-    </p:spTree>
-    <p:extLst>
-      <p:ext uri="{BB962C8B-B14F-4D97-AF65-F5344CB8AC3E}">
-        <p14:creationId xmlns:p14="http://schemas.microsoft.com/office/powerpoint/2010/main" val="2262647957"/>
-      </p:ext>
-    </p:extLst>
-  </p:cSld>
-  <p:clrMapOvr>
-    <a:masterClrMapping/>
-  </p:clrMapOvr>
-</p:sld>
-</file>
-
-<file path=ppt/slides/slide33.xml><?xml version="1.0" encoding="utf-8"?>
-<p:sld xmlns:a="http://schemas.openxmlformats.org/drawingml/2006/main" xmlns:r="http://schemas.openxmlformats.org/officeDocument/2006/relationships" xmlns:p="http://schemas.openxmlformats.org/presentationml/2006/main">
-  <p:cSld>
-    <p:spTree>
-      <p:nvGrpSpPr>
-        <p:cNvPr id="1" name=""/>
-        <p:cNvGrpSpPr/>
-        <p:nvPr/>
-      </p:nvGrpSpPr>
-      <p:grpSpPr>
-        <a:xfrm>
-          <a:off x="0" y="0"/>
-          <a:ext cx="0" cy="0"/>
-          <a:chOff x="0" y="0"/>
-          <a:chExt cx="0" cy="0"/>
-        </a:xfrm>
-      </p:grpSpPr>
-      <p:sp>
-        <p:nvSpPr>
-          <p:cNvPr id="2" name="제목 1"/>
-          <p:cNvSpPr>
-            <a:spLocks noGrp="1"/>
-          </p:cNvSpPr>
-          <p:nvPr>
-            <p:ph type="title"/>
-          </p:nvPr>
-        </p:nvSpPr>
-        <p:spPr>
-          <a:xfrm>
-            <a:off x="721895" y="0"/>
-            <a:ext cx="9601200" cy="453189"/>
-          </a:xfrm>
-        </p:spPr>
-        <p:txBody>
-          <a:bodyPr>
-            <a:normAutofit/>
-          </a:bodyPr>
-          <a:lstStyle/>
-          <a:p>
-            <a:r>
-              <a:rPr lang="ko-KR" altLang="en-US" sz="1600" dirty="0" smtClean="0"/>
-              <a:t>슬라이드 </a:t>
-            </a:r>
-            <a:r>
-              <a:rPr lang="en-US" altLang="ko-KR" sz="1600" dirty="0" smtClean="0"/>
-              <a:t> </a:t>
-            </a:r>
-            <a:r>
-              <a:rPr lang="ko-KR" altLang="en-US" sz="1600" dirty="0" smtClean="0"/>
-              <a:t>실습</a:t>
-            </a:r>
-            <a:endParaRPr lang="ko-KR" altLang="en-US" sz="1600" dirty="0"/>
-          </a:p>
-        </p:txBody>
-      </p:sp>
-    </p:spTree>
-    <p:extLst>
-      <p:ext uri="{BB962C8B-B14F-4D97-AF65-F5344CB8AC3E}">
-        <p14:creationId xmlns:p14="http://schemas.microsoft.com/office/powerpoint/2010/main" val="2720051815"/>
-      </p:ext>
-    </p:extLst>
-  </p:cSld>
-  <p:clrMapOvr>
-    <a:masterClrMapping/>
-  </p:clrMapOvr>
-</p:sld>
-</file>
-
-<file path=ppt/slides/slide34.xml><?xml version="1.0" encoding="utf-8"?>
-<p:sld xmlns:a="http://schemas.openxmlformats.org/drawingml/2006/main" xmlns:r="http://schemas.openxmlformats.org/officeDocument/2006/relationships" xmlns:p="http://schemas.openxmlformats.org/presentationml/2006/main">
-  <p:cSld>
-    <p:spTree>
-      <p:nvGrpSpPr>
-        <p:cNvPr id="1" name=""/>
-        <p:cNvGrpSpPr/>
-        <p:nvPr/>
-      </p:nvGrpSpPr>
-      <p:grpSpPr>
-        <a:xfrm>
-          <a:off x="0" y="0"/>
-          <a:ext cx="0" cy="0"/>
-          <a:chOff x="0" y="0"/>
-          <a:chExt cx="0" cy="0"/>
-        </a:xfrm>
-      </p:grpSpPr>
-      <p:sp>
-        <p:nvSpPr>
-          <p:cNvPr id="2" name="제목 1"/>
-          <p:cNvSpPr>
-            <a:spLocks noGrp="1"/>
-          </p:cNvSpPr>
-          <p:nvPr>
-            <p:ph type="title"/>
-          </p:nvPr>
-        </p:nvSpPr>
-        <p:spPr>
-          <a:xfrm>
-            <a:off x="721895" y="0"/>
-            <a:ext cx="9601200" cy="453189"/>
-          </a:xfrm>
-        </p:spPr>
-        <p:txBody>
-          <a:bodyPr>
-            <a:normAutofit/>
-          </a:bodyPr>
-          <a:lstStyle/>
-          <a:p>
-            <a:r>
-              <a:rPr lang="ko-KR" altLang="en-US" sz="1600" dirty="0" smtClean="0"/>
-              <a:t>슬라이드 </a:t>
-            </a:r>
-            <a:r>
-              <a:rPr lang="en-US" altLang="ko-KR" sz="1600" dirty="0" smtClean="0"/>
-              <a:t> </a:t>
-            </a:r>
-            <a:r>
-              <a:rPr lang="ko-KR" altLang="en-US" sz="1600" dirty="0" smtClean="0"/>
-              <a:t>실습</a:t>
-            </a:r>
-            <a:endParaRPr lang="ko-KR" altLang="en-US" sz="1600" dirty="0"/>
-          </a:p>
-        </p:txBody>
-      </p:sp>
-    </p:spTree>
-    <p:extLst>
-      <p:ext uri="{BB962C8B-B14F-4D97-AF65-F5344CB8AC3E}">
-        <p14:creationId xmlns:p14="http://schemas.microsoft.com/office/powerpoint/2010/main" val="1381241898"/>
-      </p:ext>
-    </p:extLst>
-  </p:cSld>
-  <p:clrMapOvr>
-    <a:masterClrMapping/>
-  </p:clrMapOvr>
-</p:sld>
-</file>
-
-<file path=ppt/slides/slide35.xml><?xml version="1.0" encoding="utf-8"?>
-<p:sld xmlns:a="http://schemas.openxmlformats.org/drawingml/2006/main" xmlns:r="http://schemas.openxmlformats.org/officeDocument/2006/relationships" xmlns:p="http://schemas.openxmlformats.org/presentationml/2006/main">
-  <p:cSld>
-    <p:spTree>
-      <p:nvGrpSpPr>
-        <p:cNvPr id="1" name=""/>
-        <p:cNvGrpSpPr/>
-        <p:nvPr/>
-      </p:nvGrpSpPr>
-      <p:grpSpPr>
-        <a:xfrm>
-          <a:off x="0" y="0"/>
-          <a:ext cx="0" cy="0"/>
-          <a:chOff x="0" y="0"/>
-          <a:chExt cx="0" cy="0"/>
-        </a:xfrm>
-      </p:grpSpPr>
-      <p:sp>
-        <p:nvSpPr>
-          <p:cNvPr id="2" name="제목 1"/>
-          <p:cNvSpPr>
-            <a:spLocks noGrp="1"/>
-          </p:cNvSpPr>
-          <p:nvPr>
-            <p:ph type="title"/>
-          </p:nvPr>
-        </p:nvSpPr>
-        <p:spPr>
-          <a:xfrm>
-            <a:off x="721895" y="0"/>
-            <a:ext cx="9601200" cy="453189"/>
-          </a:xfrm>
-        </p:spPr>
-        <p:txBody>
-          <a:bodyPr>
-            <a:normAutofit/>
-          </a:bodyPr>
-          <a:lstStyle/>
-          <a:p>
-            <a:r>
-              <a:rPr lang="ko-KR" altLang="en-US" sz="1600" dirty="0" smtClean="0"/>
-              <a:t>슬라이드 </a:t>
-            </a:r>
-            <a:r>
-              <a:rPr lang="en-US" altLang="ko-KR" sz="1600" dirty="0" smtClean="0"/>
-              <a:t> </a:t>
-            </a:r>
-            <a:r>
-              <a:rPr lang="ko-KR" altLang="en-US" sz="1600" dirty="0" smtClean="0"/>
-              <a:t>실습</a:t>
-            </a:r>
-            <a:endParaRPr lang="ko-KR" altLang="en-US" sz="1600" dirty="0"/>
-          </a:p>
-        </p:txBody>
-      </p:sp>
-    </p:spTree>
-    <p:extLst>
-      <p:ext uri="{BB962C8B-B14F-4D97-AF65-F5344CB8AC3E}">
-        <p14:creationId xmlns:p14="http://schemas.microsoft.com/office/powerpoint/2010/main" val="1487907668"/>
-      </p:ext>
-    </p:extLst>
-  </p:cSld>
-  <p:clrMapOvr>
-    <a:masterClrMapping/>
-  </p:clrMapOvr>
-</p:sld>
-</file>
-
-<file path=ppt/slides/slide36.xml><?xml version="1.0" encoding="utf-8"?>
-<p:sld xmlns:a="http://schemas.openxmlformats.org/drawingml/2006/main" xmlns:r="http://schemas.openxmlformats.org/officeDocument/2006/relationships" xmlns:p="http://schemas.openxmlformats.org/presentationml/2006/main">
-  <p:cSld>
-    <p:spTree>
-      <p:nvGrpSpPr>
-        <p:cNvPr id="1" name=""/>
-        <p:cNvGrpSpPr/>
-        <p:nvPr/>
-      </p:nvGrpSpPr>
-      <p:grpSpPr>
-        <a:xfrm>
-          <a:off x="0" y="0"/>
-          <a:ext cx="0" cy="0"/>
-          <a:chOff x="0" y="0"/>
-          <a:chExt cx="0" cy="0"/>
-        </a:xfrm>
-      </p:grpSpPr>
-      <p:sp>
-        <p:nvSpPr>
-          <p:cNvPr id="2" name="제목 1"/>
-          <p:cNvSpPr>
-            <a:spLocks noGrp="1"/>
-          </p:cNvSpPr>
-          <p:nvPr>
-            <p:ph type="title"/>
-          </p:nvPr>
-        </p:nvSpPr>
-        <p:spPr>
-          <a:xfrm>
-            <a:off x="721895" y="0"/>
-            <a:ext cx="9601200" cy="453189"/>
-          </a:xfrm>
-        </p:spPr>
-        <p:txBody>
-          <a:bodyPr>
-            <a:normAutofit/>
-          </a:bodyPr>
-          <a:lstStyle/>
-          <a:p>
-            <a:r>
-              <a:rPr lang="ko-KR" altLang="en-US" sz="1600" dirty="0" smtClean="0"/>
-              <a:t>슬라이드 </a:t>
-            </a:r>
-            <a:r>
-              <a:rPr lang="en-US" altLang="ko-KR" sz="1600" dirty="0" smtClean="0"/>
-              <a:t> </a:t>
-            </a:r>
-            <a:r>
-              <a:rPr lang="ko-KR" altLang="en-US" sz="1600" dirty="0" smtClean="0"/>
-              <a:t>실습</a:t>
-            </a:r>
-            <a:endParaRPr lang="ko-KR" altLang="en-US" sz="1600" dirty="0"/>
-          </a:p>
-        </p:txBody>
-      </p:sp>
-    </p:spTree>
-    <p:extLst>
-      <p:ext uri="{BB962C8B-B14F-4D97-AF65-F5344CB8AC3E}">
-        <p14:creationId xmlns:p14="http://schemas.microsoft.com/office/powerpoint/2010/main" val="2035600083"/>
       </p:ext>
     </p:extLst>
   </p:cSld>
@@ -6945,18 +6593,17 @@
           <a:lstStyle/>
           <a:p>
             <a:r>
-              <a:rPr lang="ko-KR" altLang="en-US" sz="1600" dirty="0" smtClean="0"/>
+              <a:rPr lang="ko-KR" altLang="en-US" sz="1600" dirty="0"/>
               <a:t>슬라이드 </a:t>
             </a:r>
             <a:r>
-              <a:rPr lang="en-US" altLang="ko-KR" sz="1600" dirty="0" smtClean="0"/>
+              <a:rPr lang="en-US" altLang="ko-KR" sz="1600" dirty="0"/>
               <a:t>12 </a:t>
             </a:r>
             <a:r>
-              <a:rPr lang="ko-KR" altLang="en-US" sz="1600" dirty="0" smtClean="0"/>
+              <a:rPr lang="ko-KR" altLang="en-US" sz="1600" dirty="0"/>
               <a:t>실습</a:t>
             </a:r>
-            <a:endParaRPr lang="ko-KR" altLang="en-US" sz="1600" dirty="0"/>
           </a:p>
         </p:txBody>
       </p:sp>
@@ -7061,18 +6708,17 @@
           <a:lstStyle/>
           <a:p>
             <a:r>
-              <a:rPr lang="ko-KR" altLang="en-US" sz="1600" dirty="0" smtClean="0"/>
+              <a:rPr lang="ko-KR" altLang="en-US" sz="1600" dirty="0"/>
               <a:t>슬라이드</a:t>
             </a:r>
             <a:r>
-              <a:rPr lang="en-US" altLang="ko-KR" sz="1600" dirty="0" smtClean="0"/>
+              <a:rPr lang="en-US" altLang="ko-KR" sz="1600" dirty="0"/>
               <a:t> 13 </a:t>
             </a:r>
             <a:r>
-              <a:rPr lang="ko-KR" altLang="en-US" sz="1600" dirty="0" smtClean="0"/>
+              <a:rPr lang="ko-KR" altLang="en-US" sz="1600" dirty="0"/>
               <a:t>실습</a:t>
             </a:r>
-            <a:endParaRPr lang="ko-KR" altLang="en-US" sz="1600" dirty="0"/>
           </a:p>
         </p:txBody>
       </p:sp>
@@ -7177,18 +6823,17 @@
           <a:lstStyle/>
           <a:p>
             <a:r>
-              <a:rPr lang="ko-KR" altLang="en-US" sz="1600" dirty="0" smtClean="0"/>
+              <a:rPr lang="ko-KR" altLang="en-US" sz="1600" dirty="0"/>
               <a:t>슬라이드 </a:t>
             </a:r>
             <a:r>
-              <a:rPr lang="en-US" altLang="ko-KR" sz="1600" dirty="0" smtClean="0"/>
+              <a:rPr lang="en-US" altLang="ko-KR" sz="1600" dirty="0"/>
               <a:t>14 </a:t>
             </a:r>
             <a:r>
-              <a:rPr lang="ko-KR" altLang="en-US" sz="1600" dirty="0" smtClean="0"/>
+              <a:rPr lang="ko-KR" altLang="en-US" sz="1600" dirty="0"/>
               <a:t>실습</a:t>
             </a:r>
-            <a:endParaRPr lang="ko-KR" altLang="en-US" sz="1600" dirty="0"/>
           </a:p>
         </p:txBody>
       </p:sp>
@@ -7293,18 +6938,17 @@
           <a:lstStyle/>
           <a:p>
             <a:r>
-              <a:rPr lang="ko-KR" altLang="en-US" sz="1600" dirty="0" smtClean="0"/>
+              <a:rPr lang="ko-KR" altLang="en-US" sz="1600" dirty="0"/>
               <a:t>슬라이드 </a:t>
             </a:r>
             <a:r>
-              <a:rPr lang="en-US" altLang="ko-KR" sz="1600" dirty="0" smtClean="0"/>
+              <a:rPr lang="en-US" altLang="ko-KR" sz="1600" dirty="0"/>
               <a:t>16 </a:t>
             </a:r>
             <a:r>
-              <a:rPr lang="ko-KR" altLang="en-US" sz="1600" dirty="0" smtClean="0"/>
+              <a:rPr lang="ko-KR" altLang="en-US" sz="1600" dirty="0"/>
               <a:t>실습</a:t>
             </a:r>
-            <a:endParaRPr lang="ko-KR" altLang="en-US" sz="1600" dirty="0"/>
           </a:p>
         </p:txBody>
       </p:sp>
@@ -7409,18 +7053,17 @@
           <a:lstStyle/>
           <a:p>
             <a:r>
-              <a:rPr lang="ko-KR" altLang="en-US" sz="1600" dirty="0" smtClean="0"/>
+              <a:rPr lang="ko-KR" altLang="en-US" sz="1600" dirty="0"/>
               <a:t>슬라이드 </a:t>
             </a:r>
             <a:r>
-              <a:rPr lang="en-US" altLang="ko-KR" sz="1600" dirty="0" smtClean="0"/>
+              <a:rPr lang="en-US" altLang="ko-KR" sz="1600" dirty="0"/>
               <a:t>18 </a:t>
             </a:r>
             <a:r>
-              <a:rPr lang="ko-KR" altLang="en-US" sz="1600" dirty="0" smtClean="0"/>
+              <a:rPr lang="ko-KR" altLang="en-US" sz="1600" dirty="0"/>
               <a:t>실습</a:t>
             </a:r>
-            <a:endParaRPr lang="ko-KR" altLang="en-US" sz="1600" dirty="0"/>
           </a:p>
         </p:txBody>
       </p:sp>
@@ -7525,18 +7168,17 @@
           <a:lstStyle/>
           <a:p>
             <a:r>
-              <a:rPr lang="ko-KR" altLang="en-US" sz="1600" dirty="0" smtClean="0"/>
+              <a:rPr lang="ko-KR" altLang="en-US" sz="1600" dirty="0"/>
               <a:t>슬라이드 </a:t>
             </a:r>
             <a:r>
-              <a:rPr lang="en-US" altLang="ko-KR" sz="1600" dirty="0" smtClean="0"/>
+              <a:rPr lang="en-US" altLang="ko-KR" sz="1600" dirty="0"/>
               <a:t>29 </a:t>
             </a:r>
             <a:r>
-              <a:rPr lang="ko-KR" altLang="en-US" sz="1600" dirty="0" smtClean="0"/>
+              <a:rPr lang="ko-KR" altLang="en-US" sz="1600" dirty="0"/>
               <a:t>실습</a:t>
             </a:r>
-            <a:endParaRPr lang="ko-KR" altLang="en-US" sz="1600" dirty="0"/>
           </a:p>
         </p:txBody>
       </p:sp>
@@ -7644,15 +7286,15 @@
           <a:lstStyle/>
           <a:p>
             <a:r>
-              <a:rPr lang="en-US" altLang="ko-KR" dirty="0" smtClean="0"/>
+              <a:rPr lang="en-US" altLang="ko-KR" dirty="0"/>
               <a:t>Hover </a:t>
             </a:r>
             <a:r>
-              <a:rPr lang="ko-KR" altLang="en-US" dirty="0" smtClean="0"/>
+              <a:rPr lang="ko-KR" altLang="en-US" dirty="0"/>
               <a:t>시 색깔이 바뀐다</a:t>
             </a:r>
             <a:r>
-              <a:rPr lang="en-US" altLang="ko-KR" dirty="0" smtClean="0"/>
+              <a:rPr lang="en-US" altLang="ko-KR" dirty="0"/>
               <a:t>.</a:t>
             </a:r>
             <a:endParaRPr lang="ko-KR" altLang="en-US" dirty="0"/>
